--- a/presentation/ppt1/power_point_assign1.pptx
+++ b/presentation/ppt1/power_point_assign1.pptx
@@ -14,9 +14,6 @@
     <p:sldId id="262" r:id="rId8"/>
     <p:sldId id="263" r:id="rId9"/>
     <p:sldId id="264" r:id="rId10"/>
-    <p:sldId id="265" r:id="rId11"/>
-    <p:sldId id="266" r:id="rId12"/>
-    <p:sldId id="267" r:id="rId13"/>
   </p:sldIdLst>
   <p:sldSz cx="9144000" cy="6858000" type="screen4x3"/>
   <p:notesSz cx="6858000" cy="9144000"/>
@@ -3147,7 +3144,47 @@
             </a:pPr>
             <a:r>
               <a:rPr/>
-              <a:t>Untitled</a:t>
+              <a:t>Evaluating</a:t>
+            </a:r>
+            <a:r>
+              <a:rPr/>
+              <a:t> </a:t>
+            </a:r>
+            <a:r>
+              <a:rPr/>
+              <a:t>Countries</a:t>
+            </a:r>
+            <a:r>
+              <a:rPr/>
+              <a:t> </a:t>
+            </a:r>
+            <a:r>
+              <a:rPr/>
+              <a:t>based</a:t>
+            </a:r>
+            <a:r>
+              <a:rPr/>
+              <a:t> </a:t>
+            </a:r>
+            <a:r>
+              <a:rPr/>
+              <a:t>on</a:t>
+            </a:r>
+            <a:r>
+              <a:rPr/>
+              <a:t> </a:t>
+            </a:r>
+            <a:r>
+              <a:rPr/>
+              <a:t>Environmental</a:t>
+            </a:r>
+            <a:r>
+              <a:rPr/>
+              <a:t> </a:t>
+            </a:r>
+            <a:r>
+              <a:rPr/>
+              <a:t>Conditions</a:t>
             </a:r>
           </a:p>
         </p:txBody>
@@ -3177,310 +3214,6 @@
             </a:pPr>
             <a:br/>
             <a:br/>
-          </a:p>
-        </p:txBody>
-      </p:sp>
-    </p:spTree>
-  </p:cSld>
-</p:sld>
-</file>
-
-<file path=ppt/slides/slide10.xml><?xml version="1.0" encoding="utf-8"?>
-<p:sld xmlns:a="http://schemas.openxmlformats.org/drawingml/2006/main" xmlns:r="http://schemas.openxmlformats.org/officeDocument/2006/relationships" xmlns:p="http://schemas.openxmlformats.org/presentationml/2006/main">
-  <p:cSld>
-    <p:spTree>
-      <p:nvGrpSpPr>
-        <p:cNvPr id="1" name=""/>
-        <p:cNvGrpSpPr/>
-        <p:nvPr/>
-      </p:nvGrpSpPr>
-      <p:grpSpPr>
-        <a:xfrm>
-          <a:off x="0" y="0"/>
-          <a:ext cx="0" cy="0"/>
-          <a:chOff x="0" y="0"/>
-          <a:chExt cx="0" cy="0"/>
-        </a:xfrm>
-      </p:grpSpPr>
-      <p:pic>
-        <p:nvPicPr>
-          <p:cNvPr descr="score.gif" id="0" name="Picture 1"/>
-          <p:cNvPicPr>
-            <a:picLocks noGrp="1" noChangeAspect="1"/>
-          </p:cNvPicPr>
-          <p:nvPr/>
-        </p:nvPicPr>
-        <p:blipFill>
-          <a:blip r:embed="rId2"/>
-          <a:stretch>
-            <a:fillRect/>
-          </a:stretch>
-        </p:blipFill>
-        <p:spPr bwMode="auto">
-          <a:xfrm>
-            <a:off x="2565400" y="1600200"/>
-            <a:ext cx="4013200" cy="4013200"/>
-          </a:xfrm>
-          <a:prstGeom prst="rect">
-            <a:avLst/>
-          </a:prstGeom>
-          <a:noFill/>
-          <a:ln w="9525">
-            <a:noFill/>
-            <a:headEnd/>
-            <a:tailEnd/>
-          </a:ln>
-        </p:spPr>
-      </p:pic>
-      <p:sp>
-        <p:nvSpPr>
-          <p:cNvPr id="1" name="TextBox 3"/>
-          <p:cNvSpPr txBox="1"/>
-          <p:nvPr/>
-        </p:nvSpPr>
-        <p:spPr>
-          <a:xfrm>
-            <a:off x="457200" y="5613400"/>
-            <a:ext cx="8229600" cy="508000"/>
-          </a:xfrm>
-          <a:prstGeom prst="rect">
-            <a:avLst/>
-          </a:prstGeom>
-          <a:noFill/>
-        </p:spPr>
-        <p:txBody>
-          <a:bodyPr/>
-          <a:lstStyle/>
-          <a:p>
-            <a:pPr lvl="0" marL="0" indent="0" algn="ctr">
-              <a:buNone/>
-            </a:pPr>
-            <a:r>
-              <a:rPr/>
-              <a:t>Animation</a:t>
-            </a:r>
-          </a:p>
-        </p:txBody>
-      </p:sp>
-    </p:spTree>
-  </p:cSld>
-</p:sld>
-</file>
-
-<file path=ppt/slides/slide11.xml><?xml version="1.0" encoding="utf-8"?>
-<p:sld xmlns:a="http://schemas.openxmlformats.org/drawingml/2006/main" xmlns:r="http://schemas.openxmlformats.org/officeDocument/2006/relationships" xmlns:p="http://schemas.openxmlformats.org/presentationml/2006/main">
-  <p:cSld>
-    <p:spTree>
-      <p:nvGrpSpPr>
-        <p:cNvPr id="1" name=""/>
-        <p:cNvGrpSpPr/>
-        <p:nvPr/>
-      </p:nvGrpSpPr>
-      <p:grpSpPr>
-        <a:xfrm>
-          <a:off x="0" y="0"/>
-          <a:ext cx="0" cy="0"/>
-          <a:chOff x="0" y="0"/>
-          <a:chExt cx="0" cy="0"/>
-        </a:xfrm>
-      </p:grpSpPr>
-      <p:sp>
-        <p:nvSpPr>
-          <p:cNvPr id="2" name="Title 1"/>
-          <p:cNvSpPr>
-            <a:spLocks noGrp="1"/>
-          </p:cNvSpPr>
-          <p:nvPr>
-            <p:ph type="title"/>
-          </p:nvPr>
-        </p:nvSpPr>
-        <p:spPr/>
-        <p:txBody>
-          <a:bodyPr/>
-          <a:lstStyle/>
-          <a:p>
-            <a:pPr lvl="0" marL="0" indent="0">
-              <a:buNone/>
-            </a:pPr>
-            <a:r>
-              <a:rPr/>
-              <a:t>Loadings</a:t>
-            </a:r>
-          </a:p>
-        </p:txBody>
-      </p:sp>
-      <p:sp>
-        <p:nvSpPr>
-          <p:cNvPr id="3" name="Content Placeholder 2"/>
-          <p:cNvSpPr>
-            <a:spLocks noGrp="1"/>
-          </p:cNvSpPr>
-          <p:nvPr>
-            <p:ph idx="1"/>
-          </p:nvPr>
-        </p:nvSpPr>
-        <p:spPr/>
-        <p:txBody>
-          <a:bodyPr/>
-          <a:lstStyle/>
-          <a:p>
-            <a:pPr lvl="0" marL="1270000" indent="0">
-              <a:buNone/>
-            </a:pPr>
-            <a:r>
-              <a:rPr sz="1800">
-                <a:latin typeface="Courier"/>
-              </a:rPr>
-              <a:t>## [1] "First 20"</a:t>
-            </a:r>
-          </a:p>
-          <a:p>
-            <a:pPr lvl="0" marL="1270000" indent="0">
-              <a:buNone/>
-            </a:pPr>
-            <a:r>
-              <a:rPr sz="1800">
-                <a:latin typeface="Courier"/>
-              </a:rPr>
-              <a:t>## [1] "Next 20"</a:t>
-            </a:r>
-          </a:p>
-          <a:p>
-            <a:pPr lvl="0" marL="1270000" indent="0">
-              <a:buNone/>
-            </a:pPr>
-            <a:r>
-              <a:rPr sz="1800">
-                <a:latin typeface="Courier"/>
-              </a:rPr>
-              <a:t>## [1] "Next 20"</a:t>
-            </a:r>
-          </a:p>
-          <a:p>
-            <a:pPr lvl="0" marL="1270000" indent="0">
-              <a:buNone/>
-            </a:pPr>
-            <a:r>
-              <a:rPr sz="1800">
-                <a:latin typeface="Courier"/>
-              </a:rPr>
-              <a:t>## [1] "Next 20"</a:t>
-            </a:r>
-          </a:p>
-          <a:p>
-            <a:pPr lvl="0" marL="1270000" indent="0">
-              <a:buNone/>
-            </a:pPr>
-            <a:r>
-              <a:rPr sz="1800">
-                <a:latin typeface="Courier"/>
-              </a:rPr>
-              <a:t>## [1] "Next 20"</a:t>
-            </a:r>
-          </a:p>
-          <a:p>
-            <a:pPr lvl="0" marL="1270000" indent="0">
-              <a:buNone/>
-            </a:pPr>
-            <a:r>
-              <a:rPr sz="1800">
-                <a:latin typeface="Courier"/>
-              </a:rPr>
-              <a:t>## [1] "All"</a:t>
-            </a:r>
-          </a:p>
-          <a:p>
-            <a:pPr lvl="0" marL="1270000" indent="0">
-              <a:buNone/>
-            </a:pPr>
-            <a:r>
-              <a:rPr sz="1800">
-                <a:latin typeface="Courier"/>
-              </a:rPr>
-              <a:t>## [1] TRUE</a:t>
-            </a:r>
-          </a:p>
-        </p:txBody>
-      </p:sp>
-    </p:spTree>
-  </p:cSld>
-</p:sld>
-</file>
-
-<file path=ppt/slides/slide12.xml><?xml version="1.0" encoding="utf-8"?>
-<p:sld xmlns:a="http://schemas.openxmlformats.org/drawingml/2006/main" xmlns:r="http://schemas.openxmlformats.org/officeDocument/2006/relationships" xmlns:p="http://schemas.openxmlformats.org/presentationml/2006/main">
-  <p:cSld>
-    <p:spTree>
-      <p:nvGrpSpPr>
-        <p:cNvPr id="1" name=""/>
-        <p:cNvGrpSpPr/>
-        <p:nvPr/>
-      </p:nvGrpSpPr>
-      <p:grpSpPr>
-        <a:xfrm>
-          <a:off x="0" y="0"/>
-          <a:ext cx="0" cy="0"/>
-          <a:chOff x="0" y="0"/>
-          <a:chExt cx="0" cy="0"/>
-        </a:xfrm>
-      </p:grpSpPr>
-      <p:pic>
-        <p:nvPicPr>
-          <p:cNvPr descr="loadings.gif" id="0" name="Picture 1"/>
-          <p:cNvPicPr>
-            <a:picLocks noGrp="1" noChangeAspect="1"/>
-          </p:cNvPicPr>
-          <p:nvPr/>
-        </p:nvPicPr>
-        <p:blipFill>
-          <a:blip r:embed="rId2"/>
-          <a:stretch>
-            <a:fillRect/>
-          </a:stretch>
-        </p:blipFill>
-        <p:spPr bwMode="auto">
-          <a:xfrm>
-            <a:off x="2565400" y="1600200"/>
-            <a:ext cx="4013200" cy="4013200"/>
-          </a:xfrm>
-          <a:prstGeom prst="rect">
-            <a:avLst/>
-          </a:prstGeom>
-          <a:noFill/>
-          <a:ln w="9525">
-            <a:noFill/>
-            <a:headEnd/>
-            <a:tailEnd/>
-          </a:ln>
-        </p:spPr>
-      </p:pic>
-      <p:sp>
-        <p:nvSpPr>
-          <p:cNvPr id="1" name="TextBox 3"/>
-          <p:cNvSpPr txBox="1"/>
-          <p:nvPr/>
-        </p:nvSpPr>
-        <p:spPr>
-          <a:xfrm>
-            <a:off x="457200" y="5613400"/>
-            <a:ext cx="8229600" cy="508000"/>
-          </a:xfrm>
-          <a:prstGeom prst="rect">
-            <a:avLst/>
-          </a:prstGeom>
-          <a:noFill/>
-        </p:spPr>
-        <p:txBody>
-          <a:bodyPr/>
-          <a:lstStyle/>
-          <a:p>
-            <a:pPr lvl="0" marL="0" indent="0" algn="ctr">
-              <a:buNone/>
-            </a:pPr>
-            <a:r>
-              <a:rPr/>
-              <a:t>Animation</a:t>
-            </a:r>
           </a:p>
         </p:txBody>
       </p:sp>
@@ -3508,66 +3241,6 @@
       </p:grpSpPr>
       <p:sp>
         <p:nvSpPr>
-          <p:cNvPr id="3" name="Content Placeholder 2"/>
-          <p:cNvSpPr>
-            <a:spLocks noGrp="1"/>
-          </p:cNvSpPr>
-          <p:nvPr>
-            <p:ph idx="1"/>
-          </p:nvPr>
-        </p:nvSpPr>
-        <p:spPr/>
-        <p:txBody>
-          <a:bodyPr/>
-          <a:lstStyle/>
-          <a:p>
-            <a:pPr lvl="0" marL="1270000" indent="0">
-              <a:buNone/>
-            </a:pPr>
-            <a:r>
-              <a:rPr sz="1800">
-                <a:latin typeface="Courier"/>
-              </a:rPr>
-              <a:t>## Loading required package: animation</a:t>
-            </a:r>
-          </a:p>
-          <a:p>
-            <a:pPr lvl="0" marL="1270000" indent="0">
-              <a:buNone/>
-            </a:pPr>
-            <a:r>
-              <a:rPr sz="1800">
-                <a:latin typeface="Courier"/>
-              </a:rPr>
-              <a:t>## corrplot 0.84 loaded</a:t>
-            </a:r>
-          </a:p>
-        </p:txBody>
-      </p:sp>
-    </p:spTree>
-  </p:cSld>
-</p:sld>
-</file>
-
-<file path=ppt/slides/slide3.xml><?xml version="1.0" encoding="utf-8"?>
-<p:sld xmlns:a="http://schemas.openxmlformats.org/drawingml/2006/main" xmlns:r="http://schemas.openxmlformats.org/officeDocument/2006/relationships" xmlns:p="http://schemas.openxmlformats.org/presentationml/2006/main">
-  <p:cSld>
-    <p:spTree>
-      <p:nvGrpSpPr>
-        <p:cNvPr id="1" name=""/>
-        <p:cNvGrpSpPr/>
-        <p:nvPr/>
-      </p:nvGrpSpPr>
-      <p:grpSpPr>
-        <a:xfrm>
-          <a:off x="0" y="0"/>
-          <a:ext cx="0" cy="0"/>
-          <a:chOff x="0" y="0"/>
-          <a:chExt cx="0" cy="0"/>
-        </a:xfrm>
-      </p:grpSpPr>
-      <p:sp>
-        <p:nvSpPr>
           <p:cNvPr id="2" name="Title 1"/>
           <p:cNvSpPr>
             <a:spLocks noGrp="1"/>
@@ -3576,12 +3249,7 @@
             <p:ph type="title"/>
           </p:nvPr>
         </p:nvSpPr>
-        <p:spPr>
-          <a:xfrm>
-            <a:off x="722313" y="4406900"/>
-            <a:ext cx="7772400" cy="1362075"/>
-          </a:xfrm>
-        </p:spPr>
+        <p:spPr/>
         <p:txBody>
           <a:bodyPr/>
           <a:lstStyle/>
@@ -3596,129 +3264,69 @@
           </a:p>
         </p:txBody>
       </p:sp>
-    </p:spTree>
-  </p:cSld>
-</p:sld>
-</file>
-
-<file path=ppt/slides/slide4.xml><?xml version="1.0" encoding="utf-8"?>
-<p:sld xmlns:a="http://schemas.openxmlformats.org/drawingml/2006/main" xmlns:r="http://schemas.openxmlformats.org/officeDocument/2006/relationships" xmlns:p="http://schemas.openxmlformats.org/presentationml/2006/main">
-  <p:cSld>
-    <p:spTree>
-      <p:nvGrpSpPr>
-        <p:cNvPr id="1" name=""/>
-        <p:cNvGrpSpPr/>
-        <p:nvPr/>
-      </p:nvGrpSpPr>
-      <p:grpSpPr>
-        <a:xfrm>
-          <a:off x="0" y="0"/>
-          <a:ext cx="0" cy="0"/>
-          <a:chOff x="0" y="0"/>
-          <a:chExt cx="0" cy="0"/>
-        </a:xfrm>
-      </p:grpSpPr>
-      <p:sp>
-        <p:nvSpPr>
-          <p:cNvPr id="2" name="Title 1"/>
-          <p:cNvSpPr>
-            <a:spLocks noGrp="1"/>
-          </p:cNvSpPr>
-          <p:nvPr>
-            <p:ph type="title"/>
-          </p:nvPr>
-        </p:nvSpPr>
-        <p:spPr/>
-        <p:txBody>
-          <a:bodyPr/>
-          <a:lstStyle/>
-          <a:p>
-            <a:pPr lvl="0" marL="0" indent="0">
+      <p:sp>
+        <p:nvSpPr>
+          <p:cNvPr id="3" name="Content Placeholder 2"/>
+          <p:cNvSpPr>
+            <a:spLocks noGrp="1"/>
+          </p:cNvSpPr>
+          <p:nvPr>
+            <p:ph idx="1"/>
+          </p:nvPr>
+        </p:nvSpPr>
+        <p:spPr/>
+        <p:txBody>
+          <a:bodyPr/>
+          <a:lstStyle/>
+          <a:p>
+            <a:pPr lvl="1"/>
+            <a:r>
+              <a:rPr/>
+              <a:t>Data: Measurements of environment conditions in Countries</a:t>
+            </a:r>
+          </a:p>
+          <a:p>
+            <a:pPr lvl="1"/>
+            <a:r>
+              <a:rPr/>
+              <a:t>Rows: There are 137 observations, 1 for each country</a:t>
+            </a:r>
+          </a:p>
+          <a:p>
+            <a:pPr lvl="1"/>
+            <a:r>
+              <a:rPr/>
+              <a:t>Columns: Total 137 variables.</a:t>
+            </a:r>
+          </a:p>
+          <a:p>
+            <a:pPr lvl="2"/>
+            <a:r>
+              <a:rPr/>
+              <a:t>Qualitative: Happiness, measured as Ordinal</a:t>
+            </a:r>
+          </a:p>
+          <a:p>
+            <a:pPr lvl="2"/>
+            <a:r>
+              <a:rPr/>
+              <a:t>Quantitative: Aspect, Slope; Crop Land, Tree Canopy; Wind; Cloud &amp; Multiple variables for Temp, Rain</a:t>
+            </a:r>
+          </a:p>
+          <a:p>
+            <a:pPr lvl="2">
               <a:buNone/>
             </a:pPr>
             <a:r>
               <a:rPr/>
-              <a:t>Data</a:t>
-            </a:r>
-          </a:p>
-        </p:txBody>
-      </p:sp>
-      <p:sp>
-        <p:nvSpPr>
-          <p:cNvPr id="3" name="Content Placeholder 2"/>
-          <p:cNvSpPr>
-            <a:spLocks noGrp="1"/>
-          </p:cNvSpPr>
-          <p:nvPr>
-            <p:ph idx="1"/>
-          </p:nvPr>
-        </p:nvSpPr>
-        <p:spPr/>
-        <p:txBody>
-          <a:bodyPr/>
-          <a:lstStyle/>
-          <a:p>
-            <a:pPr lvl="0" marL="0" indent="0">
-              <a:spcBef>
-                <a:spcPts val="3000"/>
-              </a:spcBef>
-              <a:buNone/>
-            </a:pPr>
-            <a:r>
-              <a:rPr b="1"/>
-              <a:t>Read the data csv</a:t>
-            </a:r>
-          </a:p>
-          <a:p>
-            <a:pPr lvl="0" marL="0" indent="0">
-              <a:spcBef>
-                <a:spcPts val="3000"/>
-              </a:spcBef>
-              <a:buNone/>
-            </a:pPr>
-            <a:r>
-              <a:rPr b="1"/>
-              <a:t>Explore the Data</a:t>
-            </a:r>
-          </a:p>
-          <a:p>
-            <a:pPr lvl="0" marL="1270000" indent="0">
-              <a:buNone/>
-            </a:pPr>
-            <a:r>
-              <a:rPr sz="1800">
-                <a:latin typeface="Courier"/>
-              </a:rPr>
-              <a:t>## 'data.frame':    137 obs. of  29 variables:
-##  $ Country                : Factor w/ 137 levels "Afghanistan",..: 1 2 3 4 5 6 7 8 9 10 ...
-##  $ Happiness_Rank         : int  153 95 68 137 30 127 10 13 80 109 ...
-##  $ accessibility_to_cities: num  317.7 73.8 1212.8 378.2 209.2 ...
-##  $ elevation              : num  1832 652 557 1061 683 ...
-##  $ aspect                 : num  201 192 185 174 145 ...
-##  $ slope                  : num  1.516 1.89 0.171 0.193 0.624 ...
-##  $ cropland_cover         : num  9.51 23.35 3.69 2.79 21.96 ...
-##  $ tree_canopy_cover      : num  0.375 12.805 0.177 19.87 8.834 ...
-##  $ isothermality          : num  35.9 33.2 40.3 64.3 49.9 ...
-##  $ rain_coldestQuart      : num  128.72 392.51 25.29 8.05 79.09 ...
-##  $ rain_driestMonth       : num  1.722 40.088 0.935 0.26 17.183 ...
-##  $ rain_driestQuart       : num  8.3 138.15 6.09 4.43 60.49 ...
-##  $ rain_mean_annual       : num  311.3 1151.1 79.5 1023.4 539.9 ...
-##  $ rain_seasonailty       : num  91.6 38.5 67.1 91.5 48.3 ...
-##  $ rain_warmestQuart      : num  12.69 138.33 9.51 318.54 183.14 ...
-##  $ rain_wettestMonth      : num  67.8 159 13.4 202.2 79.2 ...
-##  $ rain_wettestQuart      : num  175.8 435.9 33.3 524.3 211.7 ...
-##  $ temp_annual_range      : num  40.3 27.1 36.5 21.5 26.8 ...
-##  $ temp_coldestQuart      : num  -0.261 3.58 13.152 18.794 8.024 ...
-##  $ temp_diurnal_range     : num  14.72 9.11 14.87 13.85 13.46 ...
-##  $ temp_driestQuart       : num  21.1 19.6 26.9 18.9 11.1 ...
-##  $ temp_max_warmestMonth  : num  32 26.3 41.5 31 28.2 ...
-##  $ temp_mean_annual       : num  11.5 11.5 23 21.6 14.2 ...
-##  $ temp_min_coldestMonth  : num  -8.312 -0.806 5.058 9.549 1.443 ...
-##  $ temp_seasonality       : num  88.2 62.7 75.1 18.5 47.6 ...
-##  $ temp_warmestQuart      : num  22.7 19.6 32.5 23.3 20.2 ...
-##  $ temp_wettestQuart      : num  3.95 5.27 20.81 22.76 16.48 ...
-##  $ wind                   : num  3.43 2.47 4.03 2.16 4.27 ...
-##  $ cloudiness             : num  114.2 181.1 90.7 187.5 159 ...</a:t>
+              <a:t>Country Happiness_Rank accessibility_to_cities elevation aspect 1 Afghanistan 153 317.71575 1831.7444 201.4298 2 Albania 95 73.83086 651.8155 192.1303 3 Algeria 68 1212.79982 556.7583 184.9747 4 Angola 137 378.20239 1061.4790 174.2569 5 Argentina 30 209.21958 682.7993 145.0314 6 Armenia 127 97.29452 1850.4830 183.5375 slope cropland_cover tree_canopy_cover isothermality 1 1.5156001 9.511846 0.3746726 35.90442 2 1.8900753 23.346087 12.8046289 33.16941 3 0.1708615 3.690864 0.1766562 40.29895 4 0.1926286 2.794476 19.8701092 64.33239 5 0.6238553 21.962504 8.8336096 49.85147 6 2.3188956 21.338266 6.9929146 32.42359 rain_coldestQuart rain_driestMonth rain_driestQuart rain_mean_annual 1 128.718360 1.7224832 8.300540 311.32914 2 392.508789 40.0884801 138.154620 1151.09747 3 25.290778 0.9349921 6.088662 79.45607 4 8.054832 0.2601221 4.430197 1023.37470 5 79.087675 17.1832114 60.486305 539.87247 6 69.674299 20.0054896 67.223098 501.65877 rain_seasonailty rain_warmestQuart rain_wettestMonth rain_wettestQuart 1 91.62876 12.689584 67.83925 175.8160 2 38.54663 138.334670 159.04607 435.8747 3 67.08149 9.508621 13.36623 33.2941 4 91.53816 318.535618 202.19713 524.2807 5 48.32124 183.138160 79.21689 211.7121 6 46.50160 127.161681 86.25816 213.7846 temp_annual_range temp_coldestQuart temp_diurnal_range temp_driestQuart 1 40.26161 -0.2613516 14.724698 21.1203287 2 27.08155 3.5798958 9.114174 19.5732059 3 36.49031 13.1515534 14.872674 26.9210724 4 21.48916 18.7935162 13.845249 18.8668818 5 26.77336 8.0238906 13.461877 11.0949601 6 34.82843 -4.5577218 11.433959 -0.5852048 temp_max_warmestMonth temp_mean_annual temp_min_coldestMonth 1 31.95010 11.53331 -8.3115067 2 26.27564 11.46749 -0.8059126 3 41.54823 22.96395 5.0579265 4 31.03791 21.61187 9.5487517 5 28.21619 14.20719 1.4428340 6 24.35806 6.16530 -10.4703703 temp_seasonality temp_warmestQuart temp_wettestQuart wind cloudiness 1 88.15351 22.67524 3.947660 3.432747 114.22898 2 62.66852 19.57742 5.267450 2.472694 181.13111 3 75.11026 32.45083 20.813229 4.025770 90.67439 4 18.53582 23.28857 22.758982 2.164405 187.51704 5 47.56007 20.17117 16.477629 4.270904 159.00653 6 81.33372 16.19944 9.369816 1.968253 191.76167</a:t>
+            </a:r>
+          </a:p>
+          <a:p>
+            <a:pPr lvl="1"/>
+            <a:r>
+              <a:rPr/>
+              <a:t>Research Question How do the 137 countries differ on these variables?</a:t>
             </a:r>
           </a:p>
           <a:p>
@@ -3831,93 +3439,18 @@
               <a:t>Accessibility -&gt; Ratio Elevation -&gt; Ratio Slope -&gt; Ratio Cropland -&gt; Ratio Tree Canopy -&gt; Ratio Rain -&gt; Ratio</a:t>
             </a:r>
           </a:p>
-        </p:txBody>
-      </p:sp>
-    </p:spTree>
-  </p:cSld>
-</p:sld>
-</file>
-
-<file path=ppt/slides/slide5.xml><?xml version="1.0" encoding="utf-8"?>
-<p:sld xmlns:a="http://schemas.openxmlformats.org/drawingml/2006/main" xmlns:r="http://schemas.openxmlformats.org/officeDocument/2006/relationships" xmlns:p="http://schemas.openxmlformats.org/presentationml/2006/main">
-  <p:cSld>
-    <p:spTree>
-      <p:nvGrpSpPr>
-        <p:cNvPr id="1" name=""/>
-        <p:cNvGrpSpPr/>
-        <p:nvPr/>
-      </p:nvGrpSpPr>
-      <p:grpSpPr>
-        <a:xfrm>
-          <a:off x="0" y="0"/>
-          <a:ext cx="0" cy="0"/>
-          <a:chOff x="0" y="0"/>
-          <a:chExt cx="0" cy="0"/>
-        </a:xfrm>
-      </p:grpSpPr>
-      <p:sp>
-        <p:nvSpPr>
-          <p:cNvPr id="2" name="Title 1"/>
-          <p:cNvSpPr>
-            <a:spLocks noGrp="1"/>
-          </p:cNvSpPr>
-          <p:nvPr>
-            <p:ph type="title"/>
-          </p:nvPr>
-        </p:nvSpPr>
-        <p:spPr/>
-        <p:txBody>
-          <a:bodyPr/>
-          <a:lstStyle/>
           <a:p>
             <a:pPr lvl="0" marL="0" indent="0">
+              <a:spcBef>
+                <a:spcPts val="3000"/>
+              </a:spcBef>
               <a:buNone/>
             </a:pPr>
             <a:r>
-              <a:rPr/>
-              <a:t>Subseting</a:t>
-            </a:r>
-            <a:r>
-              <a:rPr/>
-              <a:t> </a:t>
-            </a:r>
-            <a:r>
-              <a:rPr/>
-              <a:t>Data</a:t>
-            </a:r>
-            <a:r>
-              <a:rPr/>
-              <a:t> </a:t>
-            </a:r>
-            <a:r>
-              <a:rPr/>
-              <a:t>by</a:t>
-            </a:r>
-            <a:r>
-              <a:rPr/>
-              <a:t> </a:t>
-            </a:r>
-            <a:r>
-              <a:rPr/>
-              <a:t>Domain</a:t>
-            </a:r>
-          </a:p>
-        </p:txBody>
-      </p:sp>
-      <p:sp>
-        <p:nvSpPr>
-          <p:cNvPr id="3" name="Content Placeholder 2"/>
-          <p:cNvSpPr>
-            <a:spLocks noGrp="1"/>
-          </p:cNvSpPr>
-          <p:nvPr>
-            <p:ph idx="1"/>
-          </p:nvPr>
-        </p:nvSpPr>
-        <p:spPr/>
-        <p:txBody>
-          <a:bodyPr/>
-          <a:lstStyle/>
+              <a:rPr b="1"/>
+              <a:t>Subseting Data by Domain</a:t>
+            </a:r>
+          </a:p>
           <a:p>
             <a:pPr lvl="0" marL="0" indent="0">
               <a:buNone/>
@@ -3958,6 +3491,18 @@
 ## Armenia            501.65877          6.16530 1.968253  191.76167</a:t>
             </a:r>
           </a:p>
+          <a:p>
+            <a:pPr lvl="0" marL="0" indent="0">
+              <a:spcBef>
+                <a:spcPts val="3000"/>
+              </a:spcBef>
+              <a:buNone/>
+            </a:pPr>
+            <a:r>
+              <a:rPr b="1"/>
+              <a:t>Research Question:</a:t>
+            </a:r>
+          </a:p>
         </p:txBody>
       </p:sp>
     </p:spTree>
@@ -3965,7 +3510,7 @@
 </p:sld>
 </file>
 
-<file path=ppt/slides/slide6.xml><?xml version="1.0" encoding="utf-8"?>
+<file path=ppt/slides/slide3.xml><?xml version="1.0" encoding="utf-8"?>
 <p:sld xmlns:a="http://schemas.openxmlformats.org/drawingml/2006/main" xmlns:r="http://schemas.openxmlformats.org/officeDocument/2006/relationships" xmlns:p="http://schemas.openxmlformats.org/presentationml/2006/main">
   <p:cSld>
     <p:spTree>
@@ -3982,42 +3527,9 @@
           <a:chExt cx="0" cy="0"/>
         </a:xfrm>
       </p:grpSpPr>
-      <p:sp>
-        <p:nvSpPr>
-          <p:cNvPr id="2" name="Title 1"/>
-          <p:cNvSpPr>
-            <a:spLocks noGrp="1"/>
-          </p:cNvSpPr>
-          <p:nvPr>
-            <p:ph type="title"/>
-          </p:nvPr>
-        </p:nvSpPr>
-        <p:spPr/>
-        <p:txBody>
-          <a:bodyPr/>
-          <a:lstStyle/>
-          <a:p>
-            <a:pPr lvl="0" marL="0" indent="0">
-              <a:buNone/>
-            </a:pPr>
-            <a:r>
-              <a:rPr/>
-              <a:t>Research</a:t>
-            </a:r>
-            <a:r>
-              <a:rPr/>
-              <a:t> </a:t>
-            </a:r>
-            <a:r>
-              <a:rPr/>
-              <a:t>Question:</a:t>
-            </a:r>
-          </a:p>
-        </p:txBody>
-      </p:sp>
       <p:pic>
         <p:nvPicPr>
-          <p:cNvPr descr="power_point_assign1_files/figure-pptx/unnamed-chunk-6-1.png" id="0" name="Picture 1"/>
+          <p:cNvPr descr="power_point_assign1_files/figure-pptx/unnamed-chunk-3-1.png" id="0" name="Picture 1"/>
           <p:cNvPicPr>
             <a:picLocks noGrp="1" noChangeAspect="1"/>
           </p:cNvPicPr>
@@ -4050,7 +3562,7 @@
 </p:sld>
 </file>
 
-<file path=ppt/slides/slide7.xml><?xml version="1.0" encoding="utf-8"?>
+<file path=ppt/slides/slide4.xml><?xml version="1.0" encoding="utf-8"?>
 <p:sld xmlns:a="http://schemas.openxmlformats.org/drawingml/2006/main" xmlns:r="http://schemas.openxmlformats.org/officeDocument/2006/relationships" xmlns:p="http://schemas.openxmlformats.org/presentationml/2006/main">
   <p:cSld>
     <p:spTree>
@@ -4097,6 +3609,18 @@
               <a:t>## Loading required package: prettyGraphs</a:t>
             </a:r>
           </a:p>
+          <a:p>
+            <a:pPr lvl="0" marL="0" indent="0">
+              <a:spcBef>
+                <a:spcPts val="3000"/>
+              </a:spcBef>
+              <a:buNone/>
+            </a:pPr>
+            <a:r>
+              <a:rPr b="1"/>
+              <a:t>Scree Plot</a:t>
+            </a:r>
+          </a:p>
         </p:txBody>
       </p:sp>
     </p:spTree>
@@ -4104,7 +3628,7 @@
 </p:sld>
 </file>
 
-<file path=ppt/slides/slide8.xml><?xml version="1.0" encoding="utf-8"?>
+<file path=ppt/slides/slide5.xml><?xml version="1.0" encoding="utf-8"?>
 <p:sld xmlns:a="http://schemas.openxmlformats.org/drawingml/2006/main" xmlns:r="http://schemas.openxmlformats.org/officeDocument/2006/relationships" xmlns:p="http://schemas.openxmlformats.org/presentationml/2006/main">
   <p:cSld>
     <p:spTree>
@@ -4121,42 +3645,9 @@
           <a:chExt cx="0" cy="0"/>
         </a:xfrm>
       </p:grpSpPr>
-      <p:sp>
-        <p:nvSpPr>
-          <p:cNvPr id="2" name="Title 1"/>
-          <p:cNvSpPr>
-            <a:spLocks noGrp="1"/>
-          </p:cNvSpPr>
-          <p:nvPr>
-            <p:ph type="title"/>
-          </p:nvPr>
-        </p:nvSpPr>
-        <p:spPr/>
-        <p:txBody>
-          <a:bodyPr/>
-          <a:lstStyle/>
-          <a:p>
-            <a:pPr lvl="0" marL="0" indent="0">
-              <a:buNone/>
-            </a:pPr>
-            <a:r>
-              <a:rPr/>
-              <a:t>Scree</a:t>
-            </a:r>
-            <a:r>
-              <a:rPr/>
-              <a:t> </a:t>
-            </a:r>
-            <a:r>
-              <a:rPr/>
-              <a:t>Plot</a:t>
-            </a:r>
-          </a:p>
-        </p:txBody>
-      </p:sp>
       <p:pic>
         <p:nvPicPr>
-          <p:cNvPr descr="power_point_assign1_files/figure-pptx/unnamed-chunk-8-1.png" id="0" name="Picture 1"/>
+          <p:cNvPr descr="power_point_assign1_files/figure-pptx/unnamed-chunk-5-1.png" id="0" name="Picture 1"/>
           <p:cNvPicPr>
             <a:picLocks noGrp="1" noChangeAspect="1"/>
           </p:cNvPicPr>
@@ -4189,6 +3680,290 @@
 </p:sld>
 </file>
 
+<file path=ppt/slides/slide6.xml><?xml version="1.0" encoding="utf-8"?>
+<p:sld xmlns:a="http://schemas.openxmlformats.org/drawingml/2006/main" xmlns:r="http://schemas.openxmlformats.org/officeDocument/2006/relationships" xmlns:p="http://schemas.openxmlformats.org/presentationml/2006/main">
+  <p:cSld>
+    <p:spTree>
+      <p:nvGrpSpPr>
+        <p:cNvPr id="1" name=""/>
+        <p:cNvGrpSpPr/>
+        <p:nvPr/>
+      </p:nvGrpSpPr>
+      <p:grpSpPr>
+        <a:xfrm>
+          <a:off x="0" y="0"/>
+          <a:ext cx="0" cy="0"/>
+          <a:chOff x="0" y="0"/>
+          <a:chExt cx="0" cy="0"/>
+        </a:xfrm>
+      </p:grpSpPr>
+      <p:sp>
+        <p:nvSpPr>
+          <p:cNvPr id="3" name="Content Placeholder 2"/>
+          <p:cNvSpPr>
+            <a:spLocks noGrp="1"/>
+          </p:cNvSpPr>
+          <p:nvPr>
+            <p:ph idx="1"/>
+          </p:nvPr>
+        </p:nvSpPr>
+        <p:spPr/>
+        <p:txBody>
+          <a:bodyPr/>
+          <a:lstStyle/>
+          <a:p>
+            <a:pPr lvl="0" marL="0" indent="0">
+              <a:buNone/>
+            </a:pPr>
+          </a:p>
+          <a:p>
+            <a:pPr lvl="0" marL="0" indent="0">
+              <a:spcBef>
+                <a:spcPts val="3000"/>
+              </a:spcBef>
+              <a:buNone/>
+            </a:pPr>
+            <a:r>
+              <a:rPr b="1"/>
+              <a:t>Factor Scores</a:t>
+            </a:r>
+          </a:p>
+          <a:p>
+            <a:pPr lvl="0" marL="0" indent="0">
+              <a:buNone/>
+            </a:pPr>
+            <a:r>
+              <a:rPr/>
+              <a:t>Since there are 137 observations / Countries, hence let’s pick top 50 contributing countries.</a:t>
+            </a:r>
+          </a:p>
+          <a:p>
+            <a:pPr lvl="0" marL="1270000" indent="0">
+              <a:buNone/>
+            </a:pPr>
+            <a:r>
+              <a:rPr sz="1800">
+                <a:latin typeface="Courier"/>
+              </a:rPr>
+              <a:t>## [1] TRUE</a:t>
+            </a:r>
+          </a:p>
+        </p:txBody>
+      </p:sp>
+    </p:spTree>
+  </p:cSld>
+</p:sld>
+</file>
+
+<file path=ppt/slides/slide7.xml><?xml version="1.0" encoding="utf-8"?>
+<p:sld xmlns:a="http://schemas.openxmlformats.org/drawingml/2006/main" xmlns:r="http://schemas.openxmlformats.org/officeDocument/2006/relationships" xmlns:p="http://schemas.openxmlformats.org/presentationml/2006/main">
+  <p:cSld>
+    <p:spTree>
+      <p:nvGrpSpPr>
+        <p:cNvPr id="1" name=""/>
+        <p:cNvGrpSpPr/>
+        <p:nvPr/>
+      </p:nvGrpSpPr>
+      <p:grpSpPr>
+        <a:xfrm>
+          <a:off x="0" y="0"/>
+          <a:ext cx="0" cy="0"/>
+          <a:chOff x="0" y="0"/>
+          <a:chExt cx="0" cy="0"/>
+        </a:xfrm>
+      </p:grpSpPr>
+      <p:pic>
+        <p:nvPicPr>
+          <p:cNvPr descr="score.gif" id="0" name="Picture 1"/>
+          <p:cNvPicPr>
+            <a:picLocks noGrp="1" noChangeAspect="1"/>
+          </p:cNvPicPr>
+          <p:nvPr/>
+        </p:nvPicPr>
+        <p:blipFill>
+          <a:blip r:embed="rId2"/>
+          <a:stretch>
+            <a:fillRect/>
+          </a:stretch>
+        </p:blipFill>
+        <p:spPr bwMode="auto">
+          <a:xfrm>
+            <a:off x="2565400" y="1600200"/>
+            <a:ext cx="4013200" cy="4013200"/>
+          </a:xfrm>
+          <a:prstGeom prst="rect">
+            <a:avLst/>
+          </a:prstGeom>
+          <a:noFill/>
+          <a:ln w="9525">
+            <a:noFill/>
+            <a:headEnd/>
+            <a:tailEnd/>
+          </a:ln>
+        </p:spPr>
+      </p:pic>
+      <p:sp>
+        <p:nvSpPr>
+          <p:cNvPr id="1" name="TextBox 3"/>
+          <p:cNvSpPr txBox="1"/>
+          <p:nvPr/>
+        </p:nvSpPr>
+        <p:spPr>
+          <a:xfrm>
+            <a:off x="457200" y="5613400"/>
+            <a:ext cx="8229600" cy="508000"/>
+          </a:xfrm>
+          <a:prstGeom prst="rect">
+            <a:avLst/>
+          </a:prstGeom>
+          <a:noFill/>
+        </p:spPr>
+        <p:txBody>
+          <a:bodyPr/>
+          <a:lstStyle/>
+          <a:p>
+            <a:pPr lvl="0" marL="0" indent="0" algn="ctr">
+              <a:buNone/>
+            </a:pPr>
+            <a:r>
+              <a:rPr/>
+              <a:t>Animation</a:t>
+            </a:r>
+          </a:p>
+        </p:txBody>
+      </p:sp>
+    </p:spTree>
+  </p:cSld>
+</p:sld>
+</file>
+
+<file path=ppt/slides/slide8.xml><?xml version="1.0" encoding="utf-8"?>
+<p:sld xmlns:a="http://schemas.openxmlformats.org/drawingml/2006/main" xmlns:r="http://schemas.openxmlformats.org/officeDocument/2006/relationships" xmlns:p="http://schemas.openxmlformats.org/presentationml/2006/main">
+  <p:cSld>
+    <p:spTree>
+      <p:nvGrpSpPr>
+        <p:cNvPr id="1" name=""/>
+        <p:cNvGrpSpPr/>
+        <p:nvPr/>
+      </p:nvGrpSpPr>
+      <p:grpSpPr>
+        <a:xfrm>
+          <a:off x="0" y="0"/>
+          <a:ext cx="0" cy="0"/>
+          <a:chOff x="0" y="0"/>
+          <a:chExt cx="0" cy="0"/>
+        </a:xfrm>
+      </p:grpSpPr>
+      <p:sp>
+        <p:nvSpPr>
+          <p:cNvPr id="3" name="Content Placeholder 2"/>
+          <p:cNvSpPr>
+            <a:spLocks noGrp="1"/>
+          </p:cNvSpPr>
+          <p:nvPr>
+            <p:ph idx="1"/>
+          </p:nvPr>
+        </p:nvSpPr>
+        <p:spPr/>
+        <p:txBody>
+          <a:bodyPr/>
+          <a:lstStyle/>
+          <a:p>
+            <a:pPr lvl="0" marL="0" indent="0">
+              <a:spcBef>
+                <a:spcPts val="3000"/>
+              </a:spcBef>
+              <a:buNone/>
+            </a:pPr>
+            <a:r>
+              <a:rPr b="1"/>
+              <a:t>Loadings</a:t>
+            </a:r>
+          </a:p>
+          <a:p>
+            <a:pPr lvl="0" marL="1270000" indent="0">
+              <a:buNone/>
+            </a:pPr>
+            <a:r>
+              <a:rPr sz="1800">
+                <a:latin typeface="Courier"/>
+              </a:rPr>
+              <a:t>## [1] "First 20"</a:t>
+            </a:r>
+          </a:p>
+          <a:p>
+            <a:pPr lvl="0" marL="1270000" indent="0">
+              <a:buNone/>
+            </a:pPr>
+            <a:r>
+              <a:rPr sz="1800">
+                <a:latin typeface="Courier"/>
+              </a:rPr>
+              <a:t>## [1] "Next 20"</a:t>
+            </a:r>
+          </a:p>
+          <a:p>
+            <a:pPr lvl="0" marL="1270000" indent="0">
+              <a:buNone/>
+            </a:pPr>
+            <a:r>
+              <a:rPr sz="1800">
+                <a:latin typeface="Courier"/>
+              </a:rPr>
+              <a:t>## [1] "Next 20"</a:t>
+            </a:r>
+          </a:p>
+          <a:p>
+            <a:pPr lvl="0" marL="1270000" indent="0">
+              <a:buNone/>
+            </a:pPr>
+            <a:r>
+              <a:rPr sz="1800">
+                <a:latin typeface="Courier"/>
+              </a:rPr>
+              <a:t>## [1] "Next 20"</a:t>
+            </a:r>
+          </a:p>
+          <a:p>
+            <a:pPr lvl="0" marL="1270000" indent="0">
+              <a:buNone/>
+            </a:pPr>
+            <a:r>
+              <a:rPr sz="1800">
+                <a:latin typeface="Courier"/>
+              </a:rPr>
+              <a:t>## [1] "Next 20"</a:t>
+            </a:r>
+          </a:p>
+          <a:p>
+            <a:pPr lvl="0" marL="1270000" indent="0">
+              <a:buNone/>
+            </a:pPr>
+            <a:r>
+              <a:rPr sz="1800">
+                <a:latin typeface="Courier"/>
+              </a:rPr>
+              <a:t>## [1] "All"</a:t>
+            </a:r>
+          </a:p>
+          <a:p>
+            <a:pPr lvl="0" marL="1270000" indent="0">
+              <a:buNone/>
+            </a:pPr>
+            <a:r>
+              <a:rPr sz="1800">
+                <a:latin typeface="Courier"/>
+              </a:rPr>
+              <a:t>## [1] TRUE</a:t>
+            </a:r>
+          </a:p>
+        </p:txBody>
+      </p:sp>
+    </p:spTree>
+  </p:cSld>
+</p:sld>
+</file>
+
 <file path=ppt/slides/slide9.xml><?xml version="1.0" encoding="utf-8"?>
 <p:sld xmlns:a="http://schemas.openxmlformats.org/drawingml/2006/main" xmlns:r="http://schemas.openxmlformats.org/officeDocument/2006/relationships" xmlns:p="http://schemas.openxmlformats.org/presentationml/2006/main">
   <p:cSld>
@@ -4206,71 +3981,62 @@
           <a:chExt cx="0" cy="0"/>
         </a:xfrm>
       </p:grpSpPr>
-      <p:sp>
-        <p:nvSpPr>
-          <p:cNvPr id="2" name="Title 1"/>
-          <p:cNvSpPr>
-            <a:spLocks noGrp="1"/>
-          </p:cNvSpPr>
-          <p:nvPr>
-            <p:ph type="title"/>
-          </p:nvPr>
-        </p:nvSpPr>
-        <p:spPr/>
-        <p:txBody>
-          <a:bodyPr/>
-          <a:lstStyle/>
-          <a:p>
-            <a:pPr lvl="0" marL="0" indent="0">
+      <p:pic>
+        <p:nvPicPr>
+          <p:cNvPr descr="loadings.gif" id="0" name="Picture 1"/>
+          <p:cNvPicPr>
+            <a:picLocks noGrp="1" noChangeAspect="1"/>
+          </p:cNvPicPr>
+          <p:nvPr/>
+        </p:nvPicPr>
+        <p:blipFill>
+          <a:blip r:embed="rId2"/>
+          <a:stretch>
+            <a:fillRect/>
+          </a:stretch>
+        </p:blipFill>
+        <p:spPr bwMode="auto">
+          <a:xfrm>
+            <a:off x="2565400" y="1600200"/>
+            <a:ext cx="4013200" cy="4013200"/>
+          </a:xfrm>
+          <a:prstGeom prst="rect">
+            <a:avLst/>
+          </a:prstGeom>
+          <a:noFill/>
+          <a:ln w="9525">
+            <a:noFill/>
+            <a:headEnd/>
+            <a:tailEnd/>
+          </a:ln>
+        </p:spPr>
+      </p:pic>
+      <p:sp>
+        <p:nvSpPr>
+          <p:cNvPr id="1" name="TextBox 3"/>
+          <p:cNvSpPr txBox="1"/>
+          <p:nvPr/>
+        </p:nvSpPr>
+        <p:spPr>
+          <a:xfrm>
+            <a:off x="457200" y="5613400"/>
+            <a:ext cx="8229600" cy="508000"/>
+          </a:xfrm>
+          <a:prstGeom prst="rect">
+            <a:avLst/>
+          </a:prstGeom>
+          <a:noFill/>
+        </p:spPr>
+        <p:txBody>
+          <a:bodyPr/>
+          <a:lstStyle/>
+          <a:p>
+            <a:pPr lvl="0" marL="0" indent="0" algn="ctr">
               <a:buNone/>
             </a:pPr>
             <a:r>
               <a:rPr/>
-              <a:t>Factor</a:t>
-            </a:r>
-            <a:r>
-              <a:rPr/>
-              <a:t> </a:t>
-            </a:r>
-            <a:r>
-              <a:rPr/>
-              <a:t>Scores</a:t>
-            </a:r>
-          </a:p>
-        </p:txBody>
-      </p:sp>
-      <p:sp>
-        <p:nvSpPr>
-          <p:cNvPr id="3" name="Content Placeholder 2"/>
-          <p:cNvSpPr>
-            <a:spLocks noGrp="1"/>
-          </p:cNvSpPr>
-          <p:nvPr>
-            <p:ph idx="1"/>
-          </p:nvPr>
-        </p:nvSpPr>
-        <p:spPr/>
-        <p:txBody>
-          <a:bodyPr/>
-          <a:lstStyle/>
-          <a:p>
-            <a:pPr lvl="0" marL="0" indent="0">
-              <a:buNone/>
-            </a:pPr>
-            <a:r>
-              <a:rPr/>
-              <a:t>Since there are 137 observations / Countries, hence let’s pick top 50 contributing countries.</a:t>
-            </a:r>
-          </a:p>
-          <a:p>
-            <a:pPr lvl="0" marL="1270000" indent="0">
-              <a:buNone/>
-            </a:pPr>
-            <a:r>
-              <a:rPr sz="1800">
-                <a:latin typeface="Courier"/>
-              </a:rPr>
-              <a:t>## [1] TRUE</a:t>
+              <a:t>Animation</a:t>
             </a:r>
           </a:p>
         </p:txBody>
